--- a/Final Project/Final Deliverables/Presentation.pptx
+++ b/Final Project/Final Deliverables/Presentation.pptx
@@ -2,10 +2,18 @@
 <file path=ppt/presentation.xml><?xml version="1.0" encoding="utf-8"?>
 <p:presentation xmlns:a="http://schemas.openxmlformats.org/drawingml/2006/main" xmlns:r="http://schemas.openxmlformats.org/officeDocument/2006/relationships" xmlns:p="http://schemas.openxmlformats.org/presentationml/2006/main" autoCompressPictures="0">
   <p:sldMasterIdLst>
-    <p:sldMasterId id="2147483648" r:id="rId1"/>
+    <p:sldMasterId id="2147483759" r:id="rId1"/>
   </p:sldMasterIdLst>
   <p:sldIdLst>
     <p:sldId id="256" r:id="rId2"/>
+    <p:sldId id="260" r:id="rId3"/>
+    <p:sldId id="257" r:id="rId4"/>
+    <p:sldId id="258" r:id="rId5"/>
+    <p:sldId id="259" r:id="rId6"/>
+    <p:sldId id="261" r:id="rId7"/>
+    <p:sldId id="262" r:id="rId8"/>
+    <p:sldId id="263" r:id="rId9"/>
+    <p:sldId id="264" r:id="rId10"/>
   </p:sldIdLst>
   <p:sldSz cx="12192000" cy="6858000"/>
   <p:notesSz cx="6858000" cy="9144000"/>
@@ -4382,7 +4390,7 @@
           <a:lstStyle/>
           <a:p>
             <a:fld id="{48A87A34-81AB-432B-8DAE-1953F412C126}" type="datetimeFigureOut">
-              <a:rPr lang="en-US" dirty="0"/>
+              <a:rPr lang="en-US" smtClean="0"/>
               <a:t>12/11/19</a:t>
             </a:fld>
             <a:endParaRPr lang="en-US" dirty="0"/>
@@ -4434,7 +4442,7 @@
           <a:lstStyle/>
           <a:p>
             <a:fld id="{6D22F896-40B5-4ADD-8801-0D06FADFA095}" type="slidenum">
-              <a:rPr lang="en-US" dirty="0"/>
+              <a:rPr lang="en-US" smtClean="0"/>
               <a:t>‹#›</a:t>
             </a:fld>
             <a:endParaRPr lang="en-US" dirty="0"/>
@@ -4442,6 +4450,11 @@
         </p:txBody>
       </p:sp>
     </p:spTree>
+    <p:extLst>
+      <p:ext uri="{BB962C8B-B14F-4D97-AF65-F5344CB8AC3E}">
+        <p14:creationId xmlns:p14="http://schemas.microsoft.com/office/powerpoint/2010/main" val="253924372"/>
+      </p:ext>
+    </p:extLst>
   </p:cSld>
   <p:clrMapOvr>
     <a:masterClrMapping/>
@@ -4644,7 +4657,7 @@
           <a:lstStyle/>
           <a:p>
             <a:fld id="{48A87A34-81AB-432B-8DAE-1953F412C126}" type="datetimeFigureOut">
-              <a:rPr lang="en-US" dirty="0"/>
+              <a:rPr lang="en-US" smtClean="0"/>
               <a:t>12/11/19</a:t>
             </a:fld>
             <a:endParaRPr lang="en-US" dirty="0"/>
@@ -4686,7 +4699,7 @@
           <a:lstStyle/>
           <a:p>
             <a:fld id="{6D22F896-40B5-4ADD-8801-0D06FADFA095}" type="slidenum">
-              <a:rPr lang="en-US" dirty="0"/>
+              <a:rPr lang="en-US" smtClean="0"/>
               <a:t>‹#›</a:t>
             </a:fld>
             <a:endParaRPr lang="en-US" dirty="0"/>
@@ -4694,6 +4707,11 @@
         </p:txBody>
       </p:sp>
     </p:spTree>
+    <p:extLst>
+      <p:ext uri="{BB962C8B-B14F-4D97-AF65-F5344CB8AC3E}">
+        <p14:creationId xmlns:p14="http://schemas.microsoft.com/office/powerpoint/2010/main" val="435171319"/>
+      </p:ext>
+    </p:extLst>
   </p:cSld>
   <p:clrMapOvr>
     <a:masterClrMapping/>
@@ -4835,7 +4853,7 @@
           <a:lstStyle/>
           <a:p>
             <a:fld id="{48A87A34-81AB-432B-8DAE-1953F412C126}" type="datetimeFigureOut">
-              <a:rPr lang="en-US" dirty="0"/>
+              <a:rPr lang="en-US" smtClean="0"/>
               <a:t>12/11/19</a:t>
             </a:fld>
             <a:endParaRPr lang="en-US" dirty="0"/>
@@ -4877,7 +4895,7 @@
           <a:lstStyle/>
           <a:p>
             <a:fld id="{6D22F896-40B5-4ADD-8801-0D06FADFA095}" type="slidenum">
-              <a:rPr lang="en-US" dirty="0"/>
+              <a:rPr lang="en-US" smtClean="0"/>
               <a:t>‹#›</a:t>
             </a:fld>
             <a:endParaRPr lang="en-US" dirty="0"/>
@@ -4885,6 +4903,11 @@
         </p:txBody>
       </p:sp>
     </p:spTree>
+    <p:extLst>
+      <p:ext uri="{BB962C8B-B14F-4D97-AF65-F5344CB8AC3E}">
+        <p14:creationId xmlns:p14="http://schemas.microsoft.com/office/powerpoint/2010/main" val="1681987972"/>
+      </p:ext>
+    </p:extLst>
   </p:cSld>
   <p:clrMapOvr>
     <a:masterClrMapping/>
@@ -5093,7 +5116,7 @@
           <a:lstStyle/>
           <a:p>
             <a:fld id="{48A87A34-81AB-432B-8DAE-1953F412C126}" type="datetimeFigureOut">
-              <a:rPr lang="en-US" dirty="0"/>
+              <a:rPr lang="en-US" smtClean="0"/>
               <a:t>12/11/19</a:t>
             </a:fld>
             <a:endParaRPr lang="en-US" dirty="0"/>
@@ -5135,7 +5158,7 @@
           <a:lstStyle/>
           <a:p>
             <a:fld id="{6D22F896-40B5-4ADD-8801-0D06FADFA095}" type="slidenum">
-              <a:rPr lang="en-US" dirty="0"/>
+              <a:rPr lang="en-US" smtClean="0"/>
               <a:t>‹#›</a:t>
             </a:fld>
             <a:endParaRPr lang="en-US" dirty="0"/>
@@ -5381,6 +5404,11 @@
         </p:txBody>
       </p:sp>
     </p:spTree>
+    <p:extLst>
+      <p:ext uri="{BB962C8B-B14F-4D97-AF65-F5344CB8AC3E}">
+        <p14:creationId xmlns:p14="http://schemas.microsoft.com/office/powerpoint/2010/main" val="660112354"/>
+      </p:ext>
+    </p:extLst>
   </p:cSld>
   <p:clrMapOvr>
     <a:masterClrMapping/>
@@ -5522,7 +5550,7 @@
           <a:lstStyle/>
           <a:p>
             <a:fld id="{48A87A34-81AB-432B-8DAE-1953F412C126}" type="datetimeFigureOut">
-              <a:rPr lang="en-US" dirty="0"/>
+              <a:rPr lang="en-US" smtClean="0"/>
               <a:t>12/11/19</a:t>
             </a:fld>
             <a:endParaRPr lang="en-US" dirty="0"/>
@@ -5564,7 +5592,7 @@
           <a:lstStyle/>
           <a:p>
             <a:fld id="{6D22F896-40B5-4ADD-8801-0D06FADFA095}" type="slidenum">
-              <a:rPr lang="en-US" dirty="0"/>
+              <a:rPr lang="en-US" smtClean="0"/>
               <a:t>‹#›</a:t>
             </a:fld>
             <a:endParaRPr lang="en-US" dirty="0"/>
@@ -5572,6 +5600,11 @@
         </p:txBody>
       </p:sp>
     </p:spTree>
+    <p:extLst>
+      <p:ext uri="{BB962C8B-B14F-4D97-AF65-F5344CB8AC3E}">
+        <p14:creationId xmlns:p14="http://schemas.microsoft.com/office/powerpoint/2010/main" val="3312124979"/>
+      </p:ext>
+    </p:extLst>
   </p:cSld>
   <p:clrMapOvr>
     <a:masterClrMapping/>
@@ -6063,7 +6096,7 @@
           <a:lstStyle/>
           <a:p>
             <a:fld id="{48A87A34-81AB-432B-8DAE-1953F412C126}" type="datetimeFigureOut">
-              <a:rPr lang="en-US" dirty="0"/>
+              <a:rPr lang="en-US" smtClean="0"/>
               <a:t>12/11/19</a:t>
             </a:fld>
             <a:endParaRPr lang="en-US" dirty="0"/>
@@ -6105,7 +6138,7 @@
           <a:lstStyle/>
           <a:p>
             <a:fld id="{6D22F896-40B5-4ADD-8801-0D06FADFA095}" type="slidenum">
-              <a:rPr lang="en-US" dirty="0"/>
+              <a:rPr lang="en-US" smtClean="0"/>
               <a:t>‹#›</a:t>
             </a:fld>
             <a:endParaRPr lang="en-US" dirty="0"/>
@@ -6113,6 +6146,11 @@
         </p:txBody>
       </p:sp>
     </p:spTree>
+    <p:extLst>
+      <p:ext uri="{BB962C8B-B14F-4D97-AF65-F5344CB8AC3E}">
+        <p14:creationId xmlns:p14="http://schemas.microsoft.com/office/powerpoint/2010/main" val="3715005819"/>
+      </p:ext>
+    </p:extLst>
   </p:cSld>
   <p:clrMapOvr>
     <a:masterClrMapping/>
@@ -6778,7 +6816,7 @@
           <a:lstStyle/>
           <a:p>
             <a:fld id="{48A87A34-81AB-432B-8DAE-1953F412C126}" type="datetimeFigureOut">
-              <a:rPr lang="en-US" dirty="0"/>
+              <a:rPr lang="en-US" smtClean="0"/>
               <a:t>12/11/19</a:t>
             </a:fld>
             <a:endParaRPr lang="en-US" dirty="0"/>
@@ -6820,7 +6858,7 @@
           <a:lstStyle/>
           <a:p>
             <a:fld id="{6D22F896-40B5-4ADD-8801-0D06FADFA095}" type="slidenum">
-              <a:rPr lang="en-US" dirty="0"/>
+              <a:rPr lang="en-US" smtClean="0"/>
               <a:t>‹#›</a:t>
             </a:fld>
             <a:endParaRPr lang="en-US" dirty="0"/>
@@ -6828,6 +6866,11 @@
         </p:txBody>
       </p:sp>
     </p:spTree>
+    <p:extLst>
+      <p:ext uri="{BB962C8B-B14F-4D97-AF65-F5344CB8AC3E}">
+        <p14:creationId xmlns:p14="http://schemas.microsoft.com/office/powerpoint/2010/main" val="1728724423"/>
+      </p:ext>
+    </p:extLst>
   </p:cSld>
   <p:clrMapOvr>
     <a:masterClrMapping/>
@@ -6943,7 +6986,7 @@
           <a:lstStyle/>
           <a:p>
             <a:fld id="{48A87A34-81AB-432B-8DAE-1953F412C126}" type="datetimeFigureOut">
-              <a:rPr lang="en-US" dirty="0"/>
+              <a:rPr lang="en-US" smtClean="0"/>
               <a:t>12/11/19</a:t>
             </a:fld>
             <a:endParaRPr lang="en-US" dirty="0"/>
@@ -6985,7 +7028,7 @@
           <a:lstStyle/>
           <a:p>
             <a:fld id="{6D22F896-40B5-4ADD-8801-0D06FADFA095}" type="slidenum">
-              <a:rPr lang="en-US" dirty="0"/>
+              <a:rPr lang="en-US" smtClean="0"/>
               <a:t>‹#›</a:t>
             </a:fld>
             <a:endParaRPr lang="en-US" dirty="0"/>
@@ -6993,6 +7036,11 @@
         </p:txBody>
       </p:sp>
     </p:spTree>
+    <p:extLst>
+      <p:ext uri="{BB962C8B-B14F-4D97-AF65-F5344CB8AC3E}">
+        <p14:creationId xmlns:p14="http://schemas.microsoft.com/office/powerpoint/2010/main" val="19274269"/>
+      </p:ext>
+    </p:extLst>
   </p:cSld>
   <p:clrMapOvr>
     <a:masterClrMapping/>
@@ -7118,7 +7166,7 @@
           <a:lstStyle/>
           <a:p>
             <a:fld id="{48A87A34-81AB-432B-8DAE-1953F412C126}" type="datetimeFigureOut">
-              <a:rPr lang="en-US" dirty="0"/>
+              <a:rPr lang="en-US" smtClean="0"/>
               <a:t>12/11/19</a:t>
             </a:fld>
             <a:endParaRPr lang="en-US" dirty="0"/>
@@ -7160,7 +7208,7 @@
           <a:lstStyle/>
           <a:p>
             <a:fld id="{6D22F896-40B5-4ADD-8801-0D06FADFA095}" type="slidenum">
-              <a:rPr lang="en-US" dirty="0"/>
+              <a:rPr lang="en-US" smtClean="0"/>
               <a:t>‹#›</a:t>
             </a:fld>
             <a:endParaRPr lang="en-US" dirty="0"/>
@@ -7168,6 +7216,11 @@
         </p:txBody>
       </p:sp>
     </p:spTree>
+    <p:extLst>
+      <p:ext uri="{BB962C8B-B14F-4D97-AF65-F5344CB8AC3E}">
+        <p14:creationId xmlns:p14="http://schemas.microsoft.com/office/powerpoint/2010/main" val="2437071696"/>
+      </p:ext>
+    </p:extLst>
   </p:cSld>
   <p:clrMapOvr>
     <a:masterClrMapping/>
@@ -7283,7 +7336,7 @@
           <a:lstStyle/>
           <a:p>
             <a:fld id="{48A87A34-81AB-432B-8DAE-1953F412C126}" type="datetimeFigureOut">
-              <a:rPr lang="en-US" dirty="0"/>
+              <a:rPr lang="en-US" smtClean="0"/>
               <a:t>12/11/19</a:t>
             </a:fld>
             <a:endParaRPr lang="en-US" dirty="0"/>
@@ -7325,7 +7378,7 @@
           <a:lstStyle/>
           <a:p>
             <a:fld id="{6D22F896-40B5-4ADD-8801-0D06FADFA095}" type="slidenum">
-              <a:rPr lang="en-US" dirty="0"/>
+              <a:rPr lang="en-US" smtClean="0"/>
               <a:t>‹#›</a:t>
             </a:fld>
             <a:endParaRPr lang="en-US" dirty="0"/>
@@ -7333,6 +7386,11 @@
         </p:txBody>
       </p:sp>
     </p:spTree>
+    <p:extLst>
+      <p:ext uri="{BB962C8B-B14F-4D97-AF65-F5344CB8AC3E}">
+        <p14:creationId xmlns:p14="http://schemas.microsoft.com/office/powerpoint/2010/main" val="2667441889"/>
+      </p:ext>
+    </p:extLst>
   </p:cSld>
   <p:clrMapOvr>
     <a:masterClrMapping/>
@@ -7528,7 +7586,7 @@
           <a:lstStyle/>
           <a:p>
             <a:fld id="{48A87A34-81AB-432B-8DAE-1953F412C126}" type="datetimeFigureOut">
-              <a:rPr lang="en-US" dirty="0"/>
+              <a:rPr lang="en-US" smtClean="0"/>
               <a:t>12/11/19</a:t>
             </a:fld>
             <a:endParaRPr lang="en-US" dirty="0"/>
@@ -7570,7 +7628,7 @@
           <a:lstStyle/>
           <a:p>
             <a:fld id="{6D22F896-40B5-4ADD-8801-0D06FADFA095}" type="slidenum">
-              <a:rPr lang="en-US" dirty="0"/>
+              <a:rPr lang="en-US" smtClean="0"/>
               <a:t>‹#›</a:t>
             </a:fld>
             <a:endParaRPr lang="en-US" dirty="0"/>
@@ -7578,6 +7636,11 @@
         </p:txBody>
       </p:sp>
     </p:spTree>
+    <p:extLst>
+      <p:ext uri="{BB962C8B-B14F-4D97-AF65-F5344CB8AC3E}">
+        <p14:creationId xmlns:p14="http://schemas.microsoft.com/office/powerpoint/2010/main" val="1172456651"/>
+      </p:ext>
+    </p:extLst>
   </p:cSld>
   <p:clrMapOvr>
     <a:masterClrMapping/>
@@ -7755,7 +7818,7 @@
           <a:lstStyle/>
           <a:p>
             <a:fld id="{48A87A34-81AB-432B-8DAE-1953F412C126}" type="datetimeFigureOut">
-              <a:rPr lang="en-US" dirty="0"/>
+              <a:rPr lang="en-US" smtClean="0"/>
               <a:t>12/11/19</a:t>
             </a:fld>
             <a:endParaRPr lang="en-US" dirty="0"/>
@@ -7797,7 +7860,7 @@
           <a:lstStyle/>
           <a:p>
             <a:fld id="{6D22F896-40B5-4ADD-8801-0D06FADFA095}" type="slidenum">
-              <a:rPr lang="en-US" dirty="0"/>
+              <a:rPr lang="en-US" smtClean="0"/>
               <a:t>‹#›</a:t>
             </a:fld>
             <a:endParaRPr lang="en-US" dirty="0"/>
@@ -7805,6 +7868,11 @@
         </p:txBody>
       </p:sp>
     </p:spTree>
+    <p:extLst>
+      <p:ext uri="{BB962C8B-B14F-4D97-AF65-F5344CB8AC3E}">
+        <p14:creationId xmlns:p14="http://schemas.microsoft.com/office/powerpoint/2010/main" val="3785316443"/>
+      </p:ext>
+    </p:extLst>
   </p:cSld>
   <p:clrMapOvr>
     <a:masterClrMapping/>
@@ -8131,7 +8199,7 @@
           <a:lstStyle/>
           <a:p>
             <a:fld id="{48A87A34-81AB-432B-8DAE-1953F412C126}" type="datetimeFigureOut">
-              <a:rPr lang="en-US" dirty="0"/>
+              <a:rPr lang="en-US" smtClean="0"/>
               <a:t>12/11/19</a:t>
             </a:fld>
             <a:endParaRPr lang="en-US" dirty="0"/>
@@ -8173,7 +8241,7 @@
           <a:lstStyle/>
           <a:p>
             <a:fld id="{6D22F896-40B5-4ADD-8801-0D06FADFA095}" type="slidenum">
-              <a:rPr lang="en-US" dirty="0"/>
+              <a:rPr lang="en-US" smtClean="0"/>
               <a:t>‹#›</a:t>
             </a:fld>
             <a:endParaRPr lang="en-US" dirty="0"/>
@@ -8181,6 +8249,11 @@
         </p:txBody>
       </p:sp>
     </p:spTree>
+    <p:extLst>
+      <p:ext uri="{BB962C8B-B14F-4D97-AF65-F5344CB8AC3E}">
+        <p14:creationId xmlns:p14="http://schemas.microsoft.com/office/powerpoint/2010/main" val="1003427820"/>
+      </p:ext>
+    </p:extLst>
   </p:cSld>
   <p:clrMapOvr>
     <a:masterClrMapping/>
@@ -8244,7 +8317,7 @@
           <a:lstStyle/>
           <a:p>
             <a:fld id="{48A87A34-81AB-432B-8DAE-1953F412C126}" type="datetimeFigureOut">
-              <a:rPr lang="en-US" dirty="0"/>
+              <a:rPr lang="en-US" smtClean="0"/>
               <a:t>12/11/19</a:t>
             </a:fld>
             <a:endParaRPr lang="en-US" dirty="0"/>
@@ -8286,7 +8359,7 @@
           <a:lstStyle/>
           <a:p>
             <a:fld id="{6D22F896-40B5-4ADD-8801-0D06FADFA095}" type="slidenum">
-              <a:rPr lang="en-US" dirty="0"/>
+              <a:rPr lang="en-US" smtClean="0"/>
               <a:t>‹#›</a:t>
             </a:fld>
             <a:endParaRPr lang="en-US" dirty="0"/>
@@ -8294,6 +8367,11 @@
         </p:txBody>
       </p:sp>
     </p:spTree>
+    <p:extLst>
+      <p:ext uri="{BB962C8B-B14F-4D97-AF65-F5344CB8AC3E}">
+        <p14:creationId xmlns:p14="http://schemas.microsoft.com/office/powerpoint/2010/main" val="71903245"/>
+      </p:ext>
+    </p:extLst>
   </p:cSld>
   <p:clrMapOvr>
     <a:masterClrMapping/>
@@ -8334,7 +8412,7 @@
           <a:lstStyle/>
           <a:p>
             <a:fld id="{48A87A34-81AB-432B-8DAE-1953F412C126}" type="datetimeFigureOut">
-              <a:rPr lang="en-US" dirty="0"/>
+              <a:rPr lang="en-US" smtClean="0"/>
               <a:t>12/11/19</a:t>
             </a:fld>
             <a:endParaRPr lang="en-US" dirty="0"/>
@@ -8376,7 +8454,7 @@
           <a:lstStyle/>
           <a:p>
             <a:fld id="{6D22F896-40B5-4ADD-8801-0D06FADFA095}" type="slidenum">
-              <a:rPr lang="en-US" dirty="0"/>
+              <a:rPr lang="en-US" smtClean="0"/>
               <a:t>‹#›</a:t>
             </a:fld>
             <a:endParaRPr lang="en-US" dirty="0"/>
@@ -8384,6 +8462,11 @@
         </p:txBody>
       </p:sp>
     </p:spTree>
+    <p:extLst>
+      <p:ext uri="{BB962C8B-B14F-4D97-AF65-F5344CB8AC3E}">
+        <p14:creationId xmlns:p14="http://schemas.microsoft.com/office/powerpoint/2010/main" val="2188993401"/>
+      </p:ext>
+    </p:extLst>
   </p:cSld>
   <p:clrMapOvr>
     <a:masterClrMapping/>
@@ -8578,7 +8661,7 @@
           <a:lstStyle/>
           <a:p>
             <a:fld id="{48A87A34-81AB-432B-8DAE-1953F412C126}" type="datetimeFigureOut">
-              <a:rPr lang="en-US" dirty="0"/>
+              <a:rPr lang="en-US" smtClean="0"/>
               <a:t>12/11/19</a:t>
             </a:fld>
             <a:endParaRPr lang="en-US" dirty="0"/>
@@ -8620,7 +8703,7 @@
           <a:lstStyle/>
           <a:p>
             <a:fld id="{6D22F896-40B5-4ADD-8801-0D06FADFA095}" type="slidenum">
-              <a:rPr lang="en-US" dirty="0"/>
+              <a:rPr lang="en-US" smtClean="0"/>
               <a:t>‹#›</a:t>
             </a:fld>
             <a:endParaRPr lang="en-US" dirty="0"/>
@@ -8628,6 +8711,11 @@
         </p:txBody>
       </p:sp>
     </p:spTree>
+    <p:extLst>
+      <p:ext uri="{BB962C8B-B14F-4D97-AF65-F5344CB8AC3E}">
+        <p14:creationId xmlns:p14="http://schemas.microsoft.com/office/powerpoint/2010/main" val="1909631567"/>
+      </p:ext>
+    </p:extLst>
   </p:cSld>
   <p:clrMapOvr>
     <a:masterClrMapping/>
@@ -8853,7 +8941,7 @@
           <a:lstStyle/>
           <a:p>
             <a:fld id="{48A87A34-81AB-432B-8DAE-1953F412C126}" type="datetimeFigureOut">
-              <a:rPr lang="en-US" dirty="0"/>
+              <a:rPr lang="en-US" smtClean="0"/>
               <a:t>12/11/19</a:t>
             </a:fld>
             <a:endParaRPr lang="en-US" dirty="0"/>
@@ -8895,7 +8983,7 @@
           <a:lstStyle/>
           <a:p>
             <a:fld id="{6D22F896-40B5-4ADD-8801-0D06FADFA095}" type="slidenum">
-              <a:rPr lang="en-US" dirty="0"/>
+              <a:rPr lang="en-US" smtClean="0"/>
               <a:t>‹#›</a:t>
             </a:fld>
             <a:endParaRPr lang="en-US" dirty="0"/>
@@ -8903,6 +8991,11 @@
         </p:txBody>
       </p:sp>
     </p:spTree>
+    <p:extLst>
+      <p:ext uri="{BB962C8B-B14F-4D97-AF65-F5344CB8AC3E}">
+        <p14:creationId xmlns:p14="http://schemas.microsoft.com/office/powerpoint/2010/main" val="3066142359"/>
+      </p:ext>
+    </p:extLst>
   </p:cSld>
   <p:clrMapOvr>
     <a:masterClrMapping/>
@@ -11925,7 +12018,7 @@
           </a:lstStyle>
           <a:p>
             <a:fld id="{48A87A34-81AB-432B-8DAE-1953F412C126}" type="datetimeFigureOut">
-              <a:rPr lang="en-US" dirty="0"/>
+              <a:rPr lang="en-US" smtClean="0"/>
               <a:pPr/>
               <a:t>12/11/19</a:t>
             </a:fld>
@@ -12004,7 +12097,7 @@
           </a:lstStyle>
           <a:p>
             <a:fld id="{6D22F896-40B5-4ADD-8801-0D06FADFA095}" type="slidenum">
-              <a:rPr lang="en-US" dirty="0"/>
+              <a:rPr lang="en-US" smtClean="0"/>
               <a:pPr/>
               <a:t>‹#›</a:t>
             </a:fld>
@@ -12013,26 +12106,31 @@
         </p:txBody>
       </p:sp>
     </p:spTree>
+    <p:extLst>
+      <p:ext uri="{BB962C8B-B14F-4D97-AF65-F5344CB8AC3E}">
+        <p14:creationId xmlns:p14="http://schemas.microsoft.com/office/powerpoint/2010/main" val="2614782688"/>
+      </p:ext>
+    </p:extLst>
   </p:cSld>
   <p:clrMap bg1="dk1" tx1="lt1" bg2="dk2" tx2="lt2" accent1="accent1" accent2="accent2" accent3="accent3" accent4="accent4" accent5="accent5" accent6="accent6" hlink="hlink" folHlink="folHlink"/>
   <p:sldLayoutIdLst>
-    <p:sldLayoutId id="2147483649" r:id="rId1"/>
-    <p:sldLayoutId id="2147483650" r:id="rId2"/>
-    <p:sldLayoutId id="2147483651" r:id="rId3"/>
-    <p:sldLayoutId id="2147483652" r:id="rId4"/>
-    <p:sldLayoutId id="2147483653" r:id="rId5"/>
-    <p:sldLayoutId id="2147483654" r:id="rId6"/>
-    <p:sldLayoutId id="2147483655" r:id="rId7"/>
-    <p:sldLayoutId id="2147483656" r:id="rId8"/>
-    <p:sldLayoutId id="2147483657" r:id="rId9"/>
-    <p:sldLayoutId id="2147483660" r:id="rId10"/>
-    <p:sldLayoutId id="2147483661" r:id="rId11"/>
-    <p:sldLayoutId id="2147483666" r:id="rId12"/>
-    <p:sldLayoutId id="2147483663" r:id="rId13"/>
-    <p:sldLayoutId id="2147483667" r:id="rId14"/>
-    <p:sldLayoutId id="2147483668" r:id="rId15"/>
-    <p:sldLayoutId id="2147483658" r:id="rId16"/>
-    <p:sldLayoutId id="2147483659" r:id="rId17"/>
+    <p:sldLayoutId id="2147483760" r:id="rId1"/>
+    <p:sldLayoutId id="2147483761" r:id="rId2"/>
+    <p:sldLayoutId id="2147483762" r:id="rId3"/>
+    <p:sldLayoutId id="2147483763" r:id="rId4"/>
+    <p:sldLayoutId id="2147483764" r:id="rId5"/>
+    <p:sldLayoutId id="2147483765" r:id="rId6"/>
+    <p:sldLayoutId id="2147483766" r:id="rId7"/>
+    <p:sldLayoutId id="2147483767" r:id="rId8"/>
+    <p:sldLayoutId id="2147483768" r:id="rId9"/>
+    <p:sldLayoutId id="2147483769" r:id="rId10"/>
+    <p:sldLayoutId id="2147483770" r:id="rId11"/>
+    <p:sldLayoutId id="2147483771" r:id="rId12"/>
+    <p:sldLayoutId id="2147483772" r:id="rId13"/>
+    <p:sldLayoutId id="2147483773" r:id="rId14"/>
+    <p:sldLayoutId id="2147483774" r:id="rId15"/>
+    <p:sldLayoutId id="2147483775" r:id="rId16"/>
+    <p:sldLayoutId id="2147483776" r:id="rId17"/>
   </p:sldLayoutIdLst>
   <p:txStyles>
     <p:titleStyle>
@@ -12364,7 +12462,10 @@
           <a:bodyPr/>
           <a:lstStyle/>
           <a:p>
-            <a:endParaRPr lang="en-US"/>
+            <a:r>
+              <a:rPr lang="en-US" dirty="0"/>
+              <a:t>C &amp; Csound Granularizer</a:t>
+            </a:r>
           </a:p>
         </p:txBody>
       </p:sp>
@@ -12389,7 +12490,37 @@
           <a:bodyPr/>
           <a:lstStyle/>
           <a:p>
-            <a:endParaRPr lang="en-US"/>
+            <a:pPr>
+              <a:lnSpc>
+                <a:spcPct val="100000"/>
+              </a:lnSpc>
+            </a:pPr>
+            <a:r>
+              <a:rPr lang="en-US" dirty="0"/>
+              <a:t>EP 353 Final Project</a:t>
+            </a:r>
+          </a:p>
+          <a:p>
+            <a:pPr>
+              <a:lnSpc>
+                <a:spcPct val="100000"/>
+              </a:lnSpc>
+            </a:pPr>
+            <a:r>
+              <a:rPr lang="en-US" dirty="0"/>
+              <a:t>By: Anita lin</a:t>
+            </a:r>
+          </a:p>
+          <a:p>
+            <a:pPr>
+              <a:lnSpc>
+                <a:spcPct val="100000"/>
+              </a:lnSpc>
+            </a:pPr>
+            <a:r>
+              <a:rPr lang="en-US" dirty="0"/>
+              <a:t>Fall 2019</a:t>
+            </a:r>
           </a:p>
         </p:txBody>
       </p:sp>
@@ -12397,6 +12528,619 @@
     <p:extLst>
       <p:ext uri="{BB962C8B-B14F-4D97-AF65-F5344CB8AC3E}">
         <p14:creationId xmlns:p14="http://schemas.microsoft.com/office/powerpoint/2010/main" val="3401114603"/>
+      </p:ext>
+    </p:extLst>
+  </p:cSld>
+  <p:clrMapOvr>
+    <a:masterClrMapping/>
+  </p:clrMapOvr>
+</p:sld>
+</file>
+
+<file path=ppt/slides/slide2.xml><?xml version="1.0" encoding="utf-8"?>
+<p:sld xmlns:a="http://schemas.openxmlformats.org/drawingml/2006/main" xmlns:r="http://schemas.openxmlformats.org/officeDocument/2006/relationships" xmlns:p="http://schemas.openxmlformats.org/presentationml/2006/main">
+  <p:cSld>
+    <p:spTree>
+      <p:nvGrpSpPr>
+        <p:cNvPr id="1" name=""/>
+        <p:cNvGrpSpPr/>
+        <p:nvPr/>
+      </p:nvGrpSpPr>
+      <p:grpSpPr>
+        <a:xfrm>
+          <a:off x="0" y="0"/>
+          <a:ext cx="0" cy="0"/>
+          <a:chOff x="0" y="0"/>
+          <a:chExt cx="0" cy="0"/>
+        </a:xfrm>
+      </p:grpSpPr>
+      <p:sp>
+        <p:nvSpPr>
+          <p:cNvPr id="2" name="Title 1">
+            <a:extLst>
+              <a:ext uri="{FF2B5EF4-FFF2-40B4-BE49-F238E27FC236}">
+                <a16:creationId xmlns:a16="http://schemas.microsoft.com/office/drawing/2014/main" id="{19D8E28F-8871-284E-ABA7-06B1C3394E3D}"/>
+              </a:ext>
+            </a:extLst>
+          </p:cNvPr>
+          <p:cNvSpPr>
+            <a:spLocks noGrp="1"/>
+          </p:cNvSpPr>
+          <p:nvPr>
+            <p:ph type="title"/>
+          </p:nvPr>
+        </p:nvSpPr>
+        <p:spPr/>
+        <p:txBody>
+          <a:bodyPr/>
+          <a:lstStyle/>
+          <a:p>
+            <a:r>
+              <a:rPr lang="en-US" dirty="0"/>
+              <a:t>What is the project?</a:t>
+            </a:r>
+          </a:p>
+        </p:txBody>
+      </p:sp>
+      <p:sp>
+        <p:nvSpPr>
+          <p:cNvPr id="3" name="Content Placeholder 2">
+            <a:extLst>
+              <a:ext uri="{FF2B5EF4-FFF2-40B4-BE49-F238E27FC236}">
+                <a16:creationId xmlns:a16="http://schemas.microsoft.com/office/drawing/2014/main" id="{57933547-B68E-5142-A01B-D96DCDB0A6A2}"/>
+              </a:ext>
+            </a:extLst>
+          </p:cNvPr>
+          <p:cNvSpPr>
+            <a:spLocks noGrp="1"/>
+          </p:cNvSpPr>
+          <p:nvPr>
+            <p:ph idx="1"/>
+          </p:nvPr>
+        </p:nvSpPr>
+        <p:spPr/>
+        <p:txBody>
+          <a:bodyPr/>
+          <a:lstStyle/>
+          <a:p>
+            <a:endParaRPr lang="en-US" dirty="0"/>
+          </a:p>
+        </p:txBody>
+      </p:sp>
+    </p:spTree>
+    <p:extLst>
+      <p:ext uri="{BB962C8B-B14F-4D97-AF65-F5344CB8AC3E}">
+        <p14:creationId xmlns:p14="http://schemas.microsoft.com/office/powerpoint/2010/main" val="2096401744"/>
+      </p:ext>
+    </p:extLst>
+  </p:cSld>
+  <p:clrMapOvr>
+    <a:masterClrMapping/>
+  </p:clrMapOvr>
+</p:sld>
+</file>
+
+<file path=ppt/slides/slide3.xml><?xml version="1.0" encoding="utf-8"?>
+<p:sld xmlns:a="http://schemas.openxmlformats.org/drawingml/2006/main" xmlns:r="http://schemas.openxmlformats.org/officeDocument/2006/relationships" xmlns:p="http://schemas.openxmlformats.org/presentationml/2006/main">
+  <p:cSld>
+    <p:spTree>
+      <p:nvGrpSpPr>
+        <p:cNvPr id="1" name=""/>
+        <p:cNvGrpSpPr/>
+        <p:nvPr/>
+      </p:nvGrpSpPr>
+      <p:grpSpPr>
+        <a:xfrm>
+          <a:off x="0" y="0"/>
+          <a:ext cx="0" cy="0"/>
+          <a:chOff x="0" y="0"/>
+          <a:chExt cx="0" cy="0"/>
+        </a:xfrm>
+      </p:grpSpPr>
+      <p:sp>
+        <p:nvSpPr>
+          <p:cNvPr id="2" name="Title 1">
+            <a:extLst>
+              <a:ext uri="{FF2B5EF4-FFF2-40B4-BE49-F238E27FC236}">
+                <a16:creationId xmlns:a16="http://schemas.microsoft.com/office/drawing/2014/main" id="{84E21E7B-C8C8-9345-B369-FF7121D28BDB}"/>
+              </a:ext>
+            </a:extLst>
+          </p:cNvPr>
+          <p:cNvSpPr>
+            <a:spLocks noGrp="1"/>
+          </p:cNvSpPr>
+          <p:nvPr>
+            <p:ph type="title"/>
+          </p:nvPr>
+        </p:nvSpPr>
+        <p:spPr/>
+        <p:txBody>
+          <a:bodyPr/>
+          <a:lstStyle/>
+          <a:p>
+            <a:r>
+              <a:rPr lang="en-US" dirty="0"/>
+              <a:t>Why this project?</a:t>
+            </a:r>
+          </a:p>
+        </p:txBody>
+      </p:sp>
+      <p:sp>
+        <p:nvSpPr>
+          <p:cNvPr id="3" name="Content Placeholder 2">
+            <a:extLst>
+              <a:ext uri="{FF2B5EF4-FFF2-40B4-BE49-F238E27FC236}">
+                <a16:creationId xmlns:a16="http://schemas.microsoft.com/office/drawing/2014/main" id="{025D066C-8401-AC41-8247-2B8E4445E646}"/>
+              </a:ext>
+            </a:extLst>
+          </p:cNvPr>
+          <p:cNvSpPr>
+            <a:spLocks noGrp="1"/>
+          </p:cNvSpPr>
+          <p:nvPr>
+            <p:ph idx="1"/>
+          </p:nvPr>
+        </p:nvSpPr>
+        <p:spPr/>
+        <p:txBody>
+          <a:bodyPr/>
+          <a:lstStyle/>
+          <a:p>
+            <a:r>
+              <a:rPr lang="en-US" dirty="0"/>
+              <a:t>I love granular synthesis!</a:t>
+            </a:r>
+          </a:p>
+          <a:p>
+            <a:r>
+              <a:rPr lang="en-US" dirty="0"/>
+              <a:t>I took Csound in the summer</a:t>
+            </a:r>
+          </a:p>
+          <a:p>
+            <a:r>
+              <a:rPr lang="en-US" dirty="0"/>
+              <a:t>And so I wanted to try to make my own granular synthesizer.</a:t>
+            </a:r>
+          </a:p>
+        </p:txBody>
+      </p:sp>
+    </p:spTree>
+    <p:extLst>
+      <p:ext uri="{BB962C8B-B14F-4D97-AF65-F5344CB8AC3E}">
+        <p14:creationId xmlns:p14="http://schemas.microsoft.com/office/powerpoint/2010/main" val="1104396493"/>
+      </p:ext>
+    </p:extLst>
+  </p:cSld>
+  <p:clrMapOvr>
+    <a:masterClrMapping/>
+  </p:clrMapOvr>
+</p:sld>
+</file>
+
+<file path=ppt/slides/slide4.xml><?xml version="1.0" encoding="utf-8"?>
+<p:sld xmlns:a="http://schemas.openxmlformats.org/drawingml/2006/main" xmlns:r="http://schemas.openxmlformats.org/officeDocument/2006/relationships" xmlns:p="http://schemas.openxmlformats.org/presentationml/2006/main">
+  <p:cSld>
+    <p:spTree>
+      <p:nvGrpSpPr>
+        <p:cNvPr id="1" name=""/>
+        <p:cNvGrpSpPr/>
+        <p:nvPr/>
+      </p:nvGrpSpPr>
+      <p:grpSpPr>
+        <a:xfrm>
+          <a:off x="0" y="0"/>
+          <a:ext cx="0" cy="0"/>
+          <a:chOff x="0" y="0"/>
+          <a:chExt cx="0" cy="0"/>
+        </a:xfrm>
+      </p:grpSpPr>
+      <p:sp>
+        <p:nvSpPr>
+          <p:cNvPr id="2" name="Title 1">
+            <a:extLst>
+              <a:ext uri="{FF2B5EF4-FFF2-40B4-BE49-F238E27FC236}">
+                <a16:creationId xmlns:a16="http://schemas.microsoft.com/office/drawing/2014/main" id="{DA17A6D6-D79C-224F-8D11-B707FB72308B}"/>
+              </a:ext>
+            </a:extLst>
+          </p:cNvPr>
+          <p:cNvSpPr>
+            <a:spLocks noGrp="1"/>
+          </p:cNvSpPr>
+          <p:nvPr>
+            <p:ph type="title"/>
+          </p:nvPr>
+        </p:nvSpPr>
+        <p:spPr/>
+        <p:txBody>
+          <a:bodyPr/>
+          <a:lstStyle/>
+          <a:p>
+            <a:r>
+              <a:rPr lang="en-US" dirty="0"/>
+              <a:t>How does it work?</a:t>
+            </a:r>
+          </a:p>
+        </p:txBody>
+      </p:sp>
+      <p:sp>
+        <p:nvSpPr>
+          <p:cNvPr id="3" name="Content Placeholder 2">
+            <a:extLst>
+              <a:ext uri="{FF2B5EF4-FFF2-40B4-BE49-F238E27FC236}">
+                <a16:creationId xmlns:a16="http://schemas.microsoft.com/office/drawing/2014/main" id="{9406875E-D40A-5C4C-B585-3DAD911137EE}"/>
+              </a:ext>
+            </a:extLst>
+          </p:cNvPr>
+          <p:cNvSpPr>
+            <a:spLocks noGrp="1"/>
+          </p:cNvSpPr>
+          <p:nvPr>
+            <p:ph idx="1"/>
+          </p:nvPr>
+        </p:nvSpPr>
+        <p:spPr/>
+        <p:txBody>
+          <a:bodyPr/>
+          <a:lstStyle/>
+          <a:p>
+            <a:endParaRPr lang="en-US"/>
+          </a:p>
+        </p:txBody>
+      </p:sp>
+    </p:spTree>
+    <p:extLst>
+      <p:ext uri="{BB962C8B-B14F-4D97-AF65-F5344CB8AC3E}">
+        <p14:creationId xmlns:p14="http://schemas.microsoft.com/office/powerpoint/2010/main" val="297451219"/>
+      </p:ext>
+    </p:extLst>
+  </p:cSld>
+  <p:clrMapOvr>
+    <a:masterClrMapping/>
+  </p:clrMapOvr>
+</p:sld>
+</file>
+
+<file path=ppt/slides/slide5.xml><?xml version="1.0" encoding="utf-8"?>
+<p:sld xmlns:a="http://schemas.openxmlformats.org/drawingml/2006/main" xmlns:r="http://schemas.openxmlformats.org/officeDocument/2006/relationships" xmlns:p="http://schemas.openxmlformats.org/presentationml/2006/main">
+  <p:cSld>
+    <p:spTree>
+      <p:nvGrpSpPr>
+        <p:cNvPr id="1" name=""/>
+        <p:cNvGrpSpPr/>
+        <p:nvPr/>
+      </p:nvGrpSpPr>
+      <p:grpSpPr>
+        <a:xfrm>
+          <a:off x="0" y="0"/>
+          <a:ext cx="0" cy="0"/>
+          <a:chOff x="0" y="0"/>
+          <a:chExt cx="0" cy="0"/>
+        </a:xfrm>
+      </p:grpSpPr>
+      <p:sp>
+        <p:nvSpPr>
+          <p:cNvPr id="2" name="Title 1">
+            <a:extLst>
+              <a:ext uri="{FF2B5EF4-FFF2-40B4-BE49-F238E27FC236}">
+                <a16:creationId xmlns:a16="http://schemas.microsoft.com/office/drawing/2014/main" id="{A069F50A-4B57-6E4F-98B8-17724D6A63C3}"/>
+              </a:ext>
+            </a:extLst>
+          </p:cNvPr>
+          <p:cNvSpPr>
+            <a:spLocks noGrp="1"/>
+          </p:cNvSpPr>
+          <p:nvPr>
+            <p:ph type="title"/>
+          </p:nvPr>
+        </p:nvSpPr>
+        <p:spPr>
+          <a:xfrm>
+            <a:off x="3579814" y="2249215"/>
+            <a:ext cx="4418558" cy="1949942"/>
+          </a:xfrm>
+        </p:spPr>
+        <p:txBody>
+          <a:bodyPr>
+            <a:normAutofit/>
+          </a:bodyPr>
+          <a:lstStyle/>
+          <a:p>
+            <a:pPr algn="ctr"/>
+            <a:r>
+              <a:rPr lang="en-US" sz="8800" dirty="0"/>
+              <a:t>Demo</a:t>
+            </a:r>
+            <a:r>
+              <a:rPr lang="en-US" sz="6000" dirty="0"/>
+              <a:t>!</a:t>
+            </a:r>
+          </a:p>
+        </p:txBody>
+      </p:sp>
+    </p:spTree>
+    <p:extLst>
+      <p:ext uri="{BB962C8B-B14F-4D97-AF65-F5344CB8AC3E}">
+        <p14:creationId xmlns:p14="http://schemas.microsoft.com/office/powerpoint/2010/main" val="792647639"/>
+      </p:ext>
+    </p:extLst>
+  </p:cSld>
+  <p:clrMapOvr>
+    <a:masterClrMapping/>
+  </p:clrMapOvr>
+</p:sld>
+</file>
+
+<file path=ppt/slides/slide6.xml><?xml version="1.0" encoding="utf-8"?>
+<p:sld xmlns:a="http://schemas.openxmlformats.org/drawingml/2006/main" xmlns:r="http://schemas.openxmlformats.org/officeDocument/2006/relationships" xmlns:p="http://schemas.openxmlformats.org/presentationml/2006/main">
+  <p:cSld>
+    <p:spTree>
+      <p:nvGrpSpPr>
+        <p:cNvPr id="1" name=""/>
+        <p:cNvGrpSpPr/>
+        <p:nvPr/>
+      </p:nvGrpSpPr>
+      <p:grpSpPr>
+        <a:xfrm>
+          <a:off x="0" y="0"/>
+          <a:ext cx="0" cy="0"/>
+          <a:chOff x="0" y="0"/>
+          <a:chExt cx="0" cy="0"/>
+        </a:xfrm>
+      </p:grpSpPr>
+      <p:sp>
+        <p:nvSpPr>
+          <p:cNvPr id="2" name="Title 1">
+            <a:extLst>
+              <a:ext uri="{FF2B5EF4-FFF2-40B4-BE49-F238E27FC236}">
+                <a16:creationId xmlns:a16="http://schemas.microsoft.com/office/drawing/2014/main" id="{7C858DF6-9556-E547-B54F-DC6ED1BCF9F8}"/>
+              </a:ext>
+            </a:extLst>
+          </p:cNvPr>
+          <p:cNvSpPr>
+            <a:spLocks noGrp="1"/>
+          </p:cNvSpPr>
+          <p:nvPr>
+            <p:ph type="title"/>
+          </p:nvPr>
+        </p:nvSpPr>
+        <p:spPr/>
+        <p:txBody>
+          <a:bodyPr/>
+          <a:lstStyle/>
+          <a:p>
+            <a:r>
+              <a:rPr lang="en-US" dirty="0"/>
+              <a:t>What Works?</a:t>
+            </a:r>
+          </a:p>
+        </p:txBody>
+      </p:sp>
+      <p:sp>
+        <p:nvSpPr>
+          <p:cNvPr id="3" name="Content Placeholder 2">
+            <a:extLst>
+              <a:ext uri="{FF2B5EF4-FFF2-40B4-BE49-F238E27FC236}">
+                <a16:creationId xmlns:a16="http://schemas.microsoft.com/office/drawing/2014/main" id="{1B9E5061-CA5E-A342-AF4A-203CB7ABD749}"/>
+              </a:ext>
+            </a:extLst>
+          </p:cNvPr>
+          <p:cNvSpPr>
+            <a:spLocks noGrp="1"/>
+          </p:cNvSpPr>
+          <p:nvPr>
+            <p:ph idx="1"/>
+          </p:nvPr>
+        </p:nvSpPr>
+        <p:spPr/>
+        <p:txBody>
+          <a:bodyPr/>
+          <a:lstStyle/>
+          <a:p>
+            <a:endParaRPr lang="en-US"/>
+          </a:p>
+        </p:txBody>
+      </p:sp>
+    </p:spTree>
+    <p:extLst>
+      <p:ext uri="{BB962C8B-B14F-4D97-AF65-F5344CB8AC3E}">
+        <p14:creationId xmlns:p14="http://schemas.microsoft.com/office/powerpoint/2010/main" val="456887869"/>
+      </p:ext>
+    </p:extLst>
+  </p:cSld>
+  <p:clrMapOvr>
+    <a:masterClrMapping/>
+  </p:clrMapOvr>
+</p:sld>
+</file>
+
+<file path=ppt/slides/slide7.xml><?xml version="1.0" encoding="utf-8"?>
+<p:sld xmlns:a="http://schemas.openxmlformats.org/drawingml/2006/main" xmlns:r="http://schemas.openxmlformats.org/officeDocument/2006/relationships" xmlns:p="http://schemas.openxmlformats.org/presentationml/2006/main">
+  <p:cSld>
+    <p:spTree>
+      <p:nvGrpSpPr>
+        <p:cNvPr id="1" name=""/>
+        <p:cNvGrpSpPr/>
+        <p:nvPr/>
+      </p:nvGrpSpPr>
+      <p:grpSpPr>
+        <a:xfrm>
+          <a:off x="0" y="0"/>
+          <a:ext cx="0" cy="0"/>
+          <a:chOff x="0" y="0"/>
+          <a:chExt cx="0" cy="0"/>
+        </a:xfrm>
+      </p:grpSpPr>
+      <p:sp>
+        <p:nvSpPr>
+          <p:cNvPr id="2" name="Title 1">
+            <a:extLst>
+              <a:ext uri="{FF2B5EF4-FFF2-40B4-BE49-F238E27FC236}">
+                <a16:creationId xmlns:a16="http://schemas.microsoft.com/office/drawing/2014/main" id="{C6A0362D-D526-ED4C-9B88-9EE27E772175}"/>
+              </a:ext>
+            </a:extLst>
+          </p:cNvPr>
+          <p:cNvSpPr>
+            <a:spLocks noGrp="1"/>
+          </p:cNvSpPr>
+          <p:nvPr>
+            <p:ph type="title"/>
+          </p:nvPr>
+        </p:nvSpPr>
+        <p:spPr/>
+        <p:txBody>
+          <a:bodyPr/>
+          <a:lstStyle/>
+          <a:p>
+            <a:r>
+              <a:rPr lang="en-US" dirty="0"/>
+              <a:t>What doesn’t work yet?</a:t>
+            </a:r>
+          </a:p>
+        </p:txBody>
+      </p:sp>
+      <p:sp>
+        <p:nvSpPr>
+          <p:cNvPr id="3" name="Content Placeholder 2">
+            <a:extLst>
+              <a:ext uri="{FF2B5EF4-FFF2-40B4-BE49-F238E27FC236}">
+                <a16:creationId xmlns:a16="http://schemas.microsoft.com/office/drawing/2014/main" id="{DAF49C29-C616-8C48-8374-0AB88B86055B}"/>
+              </a:ext>
+            </a:extLst>
+          </p:cNvPr>
+          <p:cNvSpPr>
+            <a:spLocks noGrp="1"/>
+          </p:cNvSpPr>
+          <p:nvPr>
+            <p:ph idx="1"/>
+          </p:nvPr>
+        </p:nvSpPr>
+        <p:spPr/>
+        <p:txBody>
+          <a:bodyPr/>
+          <a:lstStyle/>
+          <a:p>
+            <a:endParaRPr lang="en-US"/>
+          </a:p>
+        </p:txBody>
+      </p:sp>
+    </p:spTree>
+    <p:extLst>
+      <p:ext uri="{BB962C8B-B14F-4D97-AF65-F5344CB8AC3E}">
+        <p14:creationId xmlns:p14="http://schemas.microsoft.com/office/powerpoint/2010/main" val="466130190"/>
+      </p:ext>
+    </p:extLst>
+  </p:cSld>
+  <p:clrMapOvr>
+    <a:masterClrMapping/>
+  </p:clrMapOvr>
+</p:sld>
+</file>
+
+<file path=ppt/slides/slide8.xml><?xml version="1.0" encoding="utf-8"?>
+<p:sld xmlns:a="http://schemas.openxmlformats.org/drawingml/2006/main" xmlns:r="http://schemas.openxmlformats.org/officeDocument/2006/relationships" xmlns:p="http://schemas.openxmlformats.org/presentationml/2006/main">
+  <p:cSld>
+    <p:spTree>
+      <p:nvGrpSpPr>
+        <p:cNvPr id="1" name=""/>
+        <p:cNvGrpSpPr/>
+        <p:nvPr/>
+      </p:nvGrpSpPr>
+      <p:grpSpPr>
+        <a:xfrm>
+          <a:off x="0" y="0"/>
+          <a:ext cx="0" cy="0"/>
+          <a:chOff x="0" y="0"/>
+          <a:chExt cx="0" cy="0"/>
+        </a:xfrm>
+      </p:grpSpPr>
+      <p:sp>
+        <p:nvSpPr>
+          <p:cNvPr id="2" name="Title 1">
+            <a:extLst>
+              <a:ext uri="{FF2B5EF4-FFF2-40B4-BE49-F238E27FC236}">
+                <a16:creationId xmlns:a16="http://schemas.microsoft.com/office/drawing/2014/main" id="{8AA7B90A-888D-764E-948C-EFE635AD0782}"/>
+              </a:ext>
+            </a:extLst>
+          </p:cNvPr>
+          <p:cNvSpPr>
+            <a:spLocks noGrp="1"/>
+          </p:cNvSpPr>
+          <p:nvPr>
+            <p:ph type="title"/>
+          </p:nvPr>
+        </p:nvSpPr>
+        <p:spPr/>
+        <p:txBody>
+          <a:bodyPr/>
+          <a:lstStyle/>
+          <a:p>
+            <a:r>
+              <a:rPr lang="en-US" dirty="0"/>
+              <a:t>Future implementation</a:t>
+            </a:r>
+          </a:p>
+        </p:txBody>
+      </p:sp>
+      <p:sp>
+        <p:nvSpPr>
+          <p:cNvPr id="3" name="Content Placeholder 2">
+            <a:extLst>
+              <a:ext uri="{FF2B5EF4-FFF2-40B4-BE49-F238E27FC236}">
+                <a16:creationId xmlns:a16="http://schemas.microsoft.com/office/drawing/2014/main" id="{CBDADBAC-2DD8-BE40-814F-A48F8CEAFFF0}"/>
+              </a:ext>
+            </a:extLst>
+          </p:cNvPr>
+          <p:cNvSpPr>
+            <a:spLocks noGrp="1"/>
+          </p:cNvSpPr>
+          <p:nvPr>
+            <p:ph idx="1"/>
+          </p:nvPr>
+        </p:nvSpPr>
+        <p:spPr/>
+        <p:txBody>
+          <a:bodyPr/>
+          <a:lstStyle/>
+          <a:p>
+            <a:endParaRPr lang="en-US"/>
+          </a:p>
+        </p:txBody>
+      </p:sp>
+    </p:spTree>
+    <p:extLst>
+      <p:ext uri="{BB962C8B-B14F-4D97-AF65-F5344CB8AC3E}">
+        <p14:creationId xmlns:p14="http://schemas.microsoft.com/office/powerpoint/2010/main" val="519103471"/>
+      </p:ext>
+    </p:extLst>
+  </p:cSld>
+  <p:clrMapOvr>
+    <a:masterClrMapping/>
+  </p:clrMapOvr>
+</p:sld>
+</file>
+
+<file path=ppt/slides/slide9.xml><?xml version="1.0" encoding="utf-8"?>
+<p:sld xmlns:a="http://schemas.openxmlformats.org/drawingml/2006/main" xmlns:r="http://schemas.openxmlformats.org/officeDocument/2006/relationships" xmlns:p="http://schemas.openxmlformats.org/presentationml/2006/main">
+  <p:cSld>
+    <p:spTree>
+      <p:nvGrpSpPr>
+        <p:cNvPr id="1" name=""/>
+        <p:cNvGrpSpPr/>
+        <p:nvPr/>
+      </p:nvGrpSpPr>
+      <p:grpSpPr>
+        <a:xfrm>
+          <a:off x="0" y="0"/>
+          <a:ext cx="0" cy="0"/>
+          <a:chOff x="0" y="0"/>
+          <a:chExt cx="0" cy="0"/>
+        </a:xfrm>
+      </p:grpSpPr>
+    </p:spTree>
+    <p:extLst>
+      <p:ext uri="{BB962C8B-B14F-4D97-AF65-F5344CB8AC3E}">
+        <p14:creationId xmlns:p14="http://schemas.microsoft.com/office/powerpoint/2010/main" val="2271240679"/>
       </p:ext>
     </p:extLst>
   </p:cSld>
